--- a/part1ConceptModel.pptx
+++ b/part1ConceptModel.pptx
@@ -5,7 +5,7 @@
     <p:sldMasterId id="2147483648" r:id="rId1"/>
   </p:sldMasterIdLst>
   <p:sldIdLst>
-    <p:sldId id="256" r:id="rId2"/>
+    <p:sldId id="257" r:id="rId2"/>
   </p:sldIdLst>
   <p:sldSz cx="12192000" cy="6858000"/>
   <p:notesSz cx="6858000" cy="9144000"/>
@@ -107,8 +107,56 @@
 </p:presentation>
 </file>
 
-<file path=ppt/revisionInfo.xml><?xml version="1.0" encoding="utf-8"?>
-<p1510:revInfo xmlns:a="http://schemas.openxmlformats.org/drawingml/2006/main" xmlns:r="http://schemas.openxmlformats.org/officeDocument/2006/relationships" xmlns:p1510="http://schemas.microsoft.com/office/powerpoint/2015/10/main"/>
+<file path=ppt/changesInfos/changesInfo1.xml><?xml version="1.0" encoding="utf-8"?>
+<pc:chgInfo xmlns:a="http://schemas.openxmlformats.org/drawingml/2006/main" xmlns:r="http://schemas.openxmlformats.org/officeDocument/2006/relationships" xmlns:ac="http://schemas.microsoft.com/office/drawing/2013/main/command" xmlns:pc="http://schemas.microsoft.com/office/powerpoint/2013/main/command">
+  <pc:docChgLst>
+    <pc:chgData name="Joshua Hobgood" userId="1428995429b24447" providerId="LiveId" clId="{B31A0A03-4A5E-407D-8C63-6CF3D4EED71D}"/>
+    <pc:docChg chg="undo custSel addSld delSld modSld">
+      <pc:chgData name="Joshua Hobgood" userId="1428995429b24447" providerId="LiveId" clId="{B31A0A03-4A5E-407D-8C63-6CF3D4EED71D}" dt="2017-11-27T16:18:34.531" v="226" actId="255"/>
+      <pc:docMkLst>
+        <pc:docMk/>
+      </pc:docMkLst>
+      <pc:sldChg chg="del">
+        <pc:chgData name="Joshua Hobgood" userId="1428995429b24447" providerId="LiveId" clId="{B31A0A03-4A5E-407D-8C63-6CF3D4EED71D}" dt="2017-11-27T15:53:06.868" v="1" actId="2696"/>
+        <pc:sldMkLst>
+          <pc:docMk/>
+          <pc:sldMk cId="3373799153" sldId="256"/>
+        </pc:sldMkLst>
+      </pc:sldChg>
+      <pc:sldChg chg="addSp delSp modSp add">
+        <pc:chgData name="Joshua Hobgood" userId="1428995429b24447" providerId="LiveId" clId="{B31A0A03-4A5E-407D-8C63-6CF3D4EED71D}" dt="2017-11-27T16:18:34.531" v="226" actId="255"/>
+        <pc:sldMkLst>
+          <pc:docMk/>
+          <pc:sldMk cId="2341504925" sldId="257"/>
+        </pc:sldMkLst>
+        <pc:spChg chg="del">
+          <ac:chgData name="Joshua Hobgood" userId="1428995429b24447" providerId="LiveId" clId="{B31A0A03-4A5E-407D-8C63-6CF3D4EED71D}" dt="2017-11-27T15:53:11.696" v="2"/>
+          <ac:spMkLst>
+            <pc:docMk/>
+            <pc:sldMk cId="2341504925" sldId="257"/>
+            <ac:spMk id="2" creationId="{F61A617B-33C5-4B62-BFBE-77628770DBB4}"/>
+          </ac:spMkLst>
+        </pc:spChg>
+        <pc:spChg chg="del">
+          <ac:chgData name="Joshua Hobgood" userId="1428995429b24447" providerId="LiveId" clId="{B31A0A03-4A5E-407D-8C63-6CF3D4EED71D}" dt="2017-11-27T15:53:11.696" v="2"/>
+          <ac:spMkLst>
+            <pc:docMk/>
+            <pc:sldMk cId="2341504925" sldId="257"/>
+            <ac:spMk id="3" creationId="{8BA578F8-B898-49FD-B2A7-ED69FEBA702F}"/>
+          </ac:spMkLst>
+        </pc:spChg>
+        <pc:spChg chg="add mod">
+          <ac:chgData name="Joshua Hobgood" userId="1428995429b24447" providerId="LiveId" clId="{B31A0A03-4A5E-407D-8C63-6CF3D4EED71D}" dt="2017-11-27T16:18:34.531" v="226" actId="255"/>
+          <ac:spMkLst>
+            <pc:docMk/>
+            <pc:sldMk cId="2341504925" sldId="257"/>
+            <ac:spMk id="4" creationId="{08FCE2BB-8DCA-4C88-88A2-32C92E07F0ED}"/>
+          </ac:spMkLst>
+        </pc:spChg>
+      </pc:sldChg>
+    </pc:docChg>
+  </pc:docChgLst>
+</pc:chgInfo>
 </file>
 
 <file path=ppt/slideLayouts/slideLayout1.xml><?xml version="1.0" encoding="utf-8"?>
@@ -3327,58 +3375,174 @@
       </p:grpSpPr>
       <p:sp>
         <p:nvSpPr>
-          <p:cNvPr id="2" name="Title 1">
-            <a:extLst>
-              <a:ext uri="{FF2B5EF4-FFF2-40B4-BE49-F238E27FC236}">
-                <a16:creationId xmlns:a16="http://schemas.microsoft.com/office/drawing/2014/main" id="{98768F54-3E4D-4FE5-89BB-40D7C663F6EA}"/>
-              </a:ext>
-            </a:extLst>
-          </p:cNvPr>
-          <p:cNvSpPr>
-            <a:spLocks noGrp="1"/>
-          </p:cNvSpPr>
-          <p:nvPr>
-            <p:ph type="ctrTitle"/>
-          </p:nvPr>
-        </p:nvSpPr>
-        <p:spPr/>
-        <p:txBody>
-          <a:bodyPr/>
-          <a:lstStyle/>
-          <a:p>
-            <a:endParaRPr lang="en-US"/>
-          </a:p>
-        </p:txBody>
-      </p:sp>
-      <p:sp>
-        <p:nvSpPr>
-          <p:cNvPr id="3" name="Subtitle 2">
-            <a:extLst>
-              <a:ext uri="{FF2B5EF4-FFF2-40B4-BE49-F238E27FC236}">
-                <a16:creationId xmlns:a16="http://schemas.microsoft.com/office/drawing/2014/main" id="{A96339EF-56A6-45E1-B23B-D0724BD33DF4}"/>
-              </a:ext>
-            </a:extLst>
-          </p:cNvPr>
-          <p:cNvSpPr>
-            <a:spLocks noGrp="1"/>
-          </p:cNvSpPr>
-          <p:nvPr>
-            <p:ph type="subTitle" idx="1"/>
-          </p:nvPr>
-        </p:nvSpPr>
-        <p:spPr/>
-        <p:txBody>
-          <a:bodyPr/>
-          <a:lstStyle/>
-          <a:p>
-            <a:endParaRPr lang="en-US"/>
+          <p:cNvPr id="4" name="TextBox 3">
+            <a:extLst>
+              <a:ext uri="{FF2B5EF4-FFF2-40B4-BE49-F238E27FC236}">
+                <a16:creationId xmlns:a16="http://schemas.microsoft.com/office/drawing/2014/main" id="{08FCE2BB-8DCA-4C88-88A2-32C92E07F0ED}"/>
+              </a:ext>
+            </a:extLst>
+          </p:cNvPr>
+          <p:cNvSpPr txBox="1"/>
+          <p:nvPr/>
+        </p:nvSpPr>
+        <p:spPr>
+          <a:xfrm>
+            <a:off x="66502" y="83127"/>
+            <a:ext cx="3499658" cy="1615827"/>
+          </a:xfrm>
+          <a:prstGeom prst="rect">
+            <a:avLst/>
+          </a:prstGeom>
+          <a:noFill/>
+        </p:spPr>
+        <p:txBody>
+          <a:bodyPr wrap="square" rtlCol="0">
+            <a:spAutoFit/>
+          </a:bodyPr>
+          <a:lstStyle/>
+          <a:p>
+            <a:pPr marL="285750" indent="-285750">
+              <a:buFont typeface="Arial" panose="020B0604020202020204" pitchFamily="34" charset="0"/>
+              <a:buChar char="•"/>
+            </a:pPr>
+            <a:r>
+              <a:rPr lang="en-US" sz="1100" dirty="0" err="1"/>
+              <a:t>dH</a:t>
+            </a:r>
+            <a:r>
+              <a:rPr lang="en-US" sz="1100" dirty="0"/>
+              <a:t>/ </a:t>
+            </a:r>
+            <a:r>
+              <a:rPr lang="en-US" sz="1100" dirty="0" err="1"/>
+              <a:t>dt</a:t>
+            </a:r>
+            <a:r>
+              <a:rPr lang="en-US" sz="1100" dirty="0"/>
+              <a:t> = </a:t>
+            </a:r>
+            <a:r>
+              <a:rPr lang="en-US" sz="1100" dirty="0" err="1"/>
+              <a:t>bH</a:t>
+            </a:r>
+            <a:r>
+              <a:rPr lang="en-US" sz="1100" dirty="0"/>
+              <a:t> −</a:t>
+            </a:r>
+            <a:r>
+              <a:rPr lang="en-US" sz="1100" dirty="0" err="1"/>
+              <a:t>aPH</a:t>
+            </a:r>
+            <a:endParaRPr lang="en-US" sz="1100" dirty="0"/>
+          </a:p>
+          <a:p>
+            <a:pPr marL="285750" indent="-285750">
+              <a:buFont typeface="Arial" panose="020B0604020202020204" pitchFamily="34" charset="0"/>
+              <a:buChar char="•"/>
+            </a:pPr>
+            <a:r>
+              <a:rPr lang="en-US" sz="1100" dirty="0" err="1"/>
+              <a:t>dP</a:t>
+            </a:r>
+            <a:r>
+              <a:rPr lang="en-US" sz="1100" dirty="0"/>
+              <a:t>/</a:t>
+            </a:r>
+            <a:r>
+              <a:rPr lang="en-US" sz="1100" dirty="0" err="1"/>
+              <a:t>dt</a:t>
+            </a:r>
+            <a:r>
+              <a:rPr lang="en-US" sz="1100" dirty="0"/>
+              <a:t> = </a:t>
+            </a:r>
+            <a:r>
+              <a:rPr lang="en-US" sz="1100" dirty="0" err="1"/>
+              <a:t>eaPH</a:t>
+            </a:r>
+            <a:r>
+              <a:rPr lang="en-US" sz="1100" dirty="0"/>
+              <a:t> −</a:t>
+            </a:r>
+            <a:r>
+              <a:rPr lang="en-US" sz="1100" dirty="0" err="1"/>
+              <a:t>sP</a:t>
+            </a:r>
+            <a:endParaRPr lang="en-US" sz="1100" dirty="0"/>
+          </a:p>
+          <a:p>
+            <a:pPr marL="742950" lvl="1" indent="-285750">
+              <a:buFont typeface="Arial" panose="020B0604020202020204" pitchFamily="34" charset="0"/>
+              <a:buChar char="•"/>
+            </a:pPr>
+            <a:r>
+              <a:rPr lang="en-US" sz="1100" dirty="0"/>
+              <a:t>H = herbivore (state)</a:t>
+            </a:r>
+          </a:p>
+          <a:p>
+            <a:pPr marL="742950" lvl="1" indent="-285750">
+              <a:buFont typeface="Arial" panose="020B0604020202020204" pitchFamily="34" charset="0"/>
+              <a:buChar char="•"/>
+            </a:pPr>
+            <a:r>
+              <a:rPr lang="en-US" sz="1100" dirty="0"/>
+              <a:t>P= predator (state)</a:t>
+            </a:r>
+          </a:p>
+          <a:p>
+            <a:pPr marL="742950" lvl="1" indent="-285750">
+              <a:buFont typeface="Arial" panose="020B0604020202020204" pitchFamily="34" charset="0"/>
+              <a:buChar char="•"/>
+            </a:pPr>
+            <a:r>
+              <a:rPr lang="en-US" sz="1100" dirty="0"/>
+              <a:t>b=prey birth rate</a:t>
+            </a:r>
+          </a:p>
+          <a:p>
+            <a:pPr marL="742950" lvl="1" indent="-285750">
+              <a:buFont typeface="Arial" panose="020B0604020202020204" pitchFamily="34" charset="0"/>
+              <a:buChar char="•"/>
+            </a:pPr>
+            <a:r>
+              <a:rPr lang="en-US" sz="1100" dirty="0"/>
+              <a:t>a= predator attack rate</a:t>
+            </a:r>
+          </a:p>
+          <a:p>
+            <a:pPr marL="742950" lvl="1" indent="-285750">
+              <a:buFont typeface="Arial" panose="020B0604020202020204" pitchFamily="34" charset="0"/>
+              <a:buChar char="•"/>
+            </a:pPr>
+            <a:r>
+              <a:rPr lang="en-US" sz="1100" dirty="0"/>
+              <a:t>e= conversion efficiency</a:t>
+            </a:r>
+          </a:p>
+          <a:p>
+            <a:pPr marL="742950" lvl="1" indent="-285750">
+              <a:buFont typeface="Arial" panose="020B0604020202020204" pitchFamily="34" charset="0"/>
+              <a:buChar char="•"/>
+            </a:pPr>
+            <a:r>
+              <a:rPr lang="en-US" sz="1100" dirty="0"/>
+              <a:t>S= predator death rate</a:t>
+            </a:r>
+          </a:p>
+          <a:p>
+            <a:pPr marL="742950" lvl="1" indent="-285750">
+              <a:buFont typeface="Arial" panose="020B0604020202020204" pitchFamily="34" charset="0"/>
+              <a:buChar char="•"/>
+            </a:pPr>
+            <a:endParaRPr lang="en-US" sz="1100" dirty="0"/>
           </a:p>
         </p:txBody>
       </p:sp>
     </p:spTree>
     <p:extLst>
       <p:ext uri="{BB962C8B-B14F-4D97-AF65-F5344CB8AC3E}">
-        <p14:creationId xmlns:p14="http://schemas.microsoft.com/office/powerpoint/2010/main" val="3373799153"/>
+        <p14:creationId xmlns:p14="http://schemas.microsoft.com/office/powerpoint/2010/main" val="2341504925"/>
       </p:ext>
     </p:extLst>
   </p:cSld>

--- a/part1ConceptModel.pptx
+++ b/part1ConceptModel.pptx
@@ -6,6 +6,7 @@
   </p:sldMasterIdLst>
   <p:sldIdLst>
     <p:sldId id="257" r:id="rId2"/>
+    <p:sldId id="258" r:id="rId3"/>
   </p:sldIdLst>
   <p:sldSz cx="12192000" cy="6858000"/>
   <p:notesSz cx="6858000" cy="9144000"/>
@@ -104,6 +105,11 @@
       </a:defRPr>
     </a:lvl9pPr>
   </p:defaultTextStyle>
+  <p:extLst>
+    <p:ext uri="{EFAFB233-063F-42B5-8137-9DF3F51BA10A}">
+      <p15:sldGuideLst xmlns:p15="http://schemas.microsoft.com/office/powerpoint/2012/main"/>
+    </p:ext>
+  </p:extLst>
 </p:presentation>
 </file>
 
@@ -112,7 +118,7 @@
   <pc:docChgLst>
     <pc:chgData name="Joshua Hobgood" userId="1428995429b24447" providerId="LiveId" clId="{B31A0A03-4A5E-407D-8C63-6CF3D4EED71D}"/>
     <pc:docChg chg="undo custSel addSld delSld modSld">
-      <pc:chgData name="Joshua Hobgood" userId="1428995429b24447" providerId="LiveId" clId="{B31A0A03-4A5E-407D-8C63-6CF3D4EED71D}" dt="2017-11-27T16:18:34.531" v="226" actId="255"/>
+      <pc:chgData name="Joshua Hobgood" userId="1428995429b24447" providerId="LiveId" clId="{B31A0A03-4A5E-407D-8C63-6CF3D4EED71D}" dt="2017-11-29T15:55:33.082" v="384" actId="1076"/>
       <pc:docMkLst>
         <pc:docMk/>
       </pc:docMkLst>
@@ -130,7 +136,7 @@
           <pc:sldMk cId="2341504925" sldId="257"/>
         </pc:sldMkLst>
         <pc:spChg chg="del">
-          <ac:chgData name="Joshua Hobgood" userId="1428995429b24447" providerId="LiveId" clId="{B31A0A03-4A5E-407D-8C63-6CF3D4EED71D}" dt="2017-11-27T15:53:11.696" v="2"/>
+          <ac:chgData name="Joshua Hobgood" userId="1428995429b24447" providerId="LiveId" clId="{B31A0A03-4A5E-407D-8C63-6CF3D4EED71D}" dt="2017-11-27T15:53:11.696" v="2" actId="255"/>
           <ac:spMkLst>
             <pc:docMk/>
             <pc:sldMk cId="2341504925" sldId="257"/>
@@ -138,7 +144,7 @@
           </ac:spMkLst>
         </pc:spChg>
         <pc:spChg chg="del">
-          <ac:chgData name="Joshua Hobgood" userId="1428995429b24447" providerId="LiveId" clId="{B31A0A03-4A5E-407D-8C63-6CF3D4EED71D}" dt="2017-11-27T15:53:11.696" v="2"/>
+          <ac:chgData name="Joshua Hobgood" userId="1428995429b24447" providerId="LiveId" clId="{B31A0A03-4A5E-407D-8C63-6CF3D4EED71D}" dt="2017-11-27T15:53:11.696" v="2" actId="255"/>
           <ac:spMkLst>
             <pc:docMk/>
             <pc:sldMk cId="2341504925" sldId="257"/>
@@ -153,6 +159,205 @@
             <ac:spMk id="4" creationId="{08FCE2BB-8DCA-4C88-88A2-32C92E07F0ED}"/>
           </ac:spMkLst>
         </pc:spChg>
+      </pc:sldChg>
+      <pc:sldChg chg="addSp delSp modSp add">
+        <pc:chgData name="Joshua Hobgood" userId="1428995429b24447" providerId="LiveId" clId="{B31A0A03-4A5E-407D-8C63-6CF3D4EED71D}" dt="2017-11-29T15:55:33.082" v="384" actId="1076"/>
+        <pc:sldMkLst>
+          <pc:docMk/>
+          <pc:sldMk cId="1082597062" sldId="258"/>
+        </pc:sldMkLst>
+        <pc:spChg chg="add mod">
+          <ac:chgData name="Joshua Hobgood" userId="1428995429b24447" providerId="LiveId" clId="{B31A0A03-4A5E-407D-8C63-6CF3D4EED71D}" dt="2017-11-29T15:32:57.779" v="272" actId="20577"/>
+          <ac:spMkLst>
+            <pc:docMk/>
+            <pc:sldMk cId="1082597062" sldId="258"/>
+            <ac:spMk id="2" creationId="{8C9D7040-7989-4D0D-AF27-2FD14FB74323}"/>
+          </ac:spMkLst>
+        </pc:spChg>
+        <pc:spChg chg="add mod">
+          <ac:chgData name="Joshua Hobgood" userId="1428995429b24447" providerId="LiveId" clId="{B31A0A03-4A5E-407D-8C63-6CF3D4EED71D}" dt="2017-11-29T15:33:05.920" v="273" actId="20577"/>
+          <ac:spMkLst>
+            <pc:docMk/>
+            <pc:sldMk cId="1082597062" sldId="258"/>
+            <ac:spMk id="3" creationId="{3482256D-A291-46AE-8EEE-6E518636B89F}"/>
+          </ac:spMkLst>
+        </pc:spChg>
+        <pc:spChg chg="add del mod">
+          <ac:chgData name="Joshua Hobgood" userId="1428995429b24447" providerId="LiveId" clId="{B31A0A03-4A5E-407D-8C63-6CF3D4EED71D}" dt="2017-11-29T15:39:01.973" v="275" actId="11529"/>
+          <ac:spMkLst>
+            <pc:docMk/>
+            <pc:sldMk cId="1082597062" sldId="258"/>
+            <ac:spMk id="11" creationId="{E39275B3-0D65-44B8-8393-5B9E03500D13}"/>
+          </ac:spMkLst>
+        </pc:spChg>
+        <pc:spChg chg="add mod">
+          <ac:chgData name="Joshua Hobgood" userId="1428995429b24447" providerId="LiveId" clId="{B31A0A03-4A5E-407D-8C63-6CF3D4EED71D}" dt="2017-11-29T15:40:02.605" v="286" actId="1076"/>
+          <ac:spMkLst>
+            <pc:docMk/>
+            <pc:sldMk cId="1082597062" sldId="258"/>
+            <ac:spMk id="12" creationId="{04E64F44-A9EA-4EEC-82CE-CF518A894456}"/>
+          </ac:spMkLst>
+        </pc:spChg>
+        <pc:spChg chg="add mod">
+          <ac:chgData name="Joshua Hobgood" userId="1428995429b24447" providerId="LiveId" clId="{B31A0A03-4A5E-407D-8C63-6CF3D4EED71D}" dt="2017-11-29T15:54:45.609" v="374" actId="1076"/>
+          <ac:spMkLst>
+            <pc:docMk/>
+            <pc:sldMk cId="1082597062" sldId="258"/>
+            <ac:spMk id="13" creationId="{8D044C7B-A576-415C-AEC0-0CA40FC09605}"/>
+          </ac:spMkLst>
+        </pc:spChg>
+        <pc:spChg chg="add mod">
+          <ac:chgData name="Joshua Hobgood" userId="1428995429b24447" providerId="LiveId" clId="{B31A0A03-4A5E-407D-8C63-6CF3D4EED71D}" dt="2017-11-29T15:46:19.137" v="347" actId="1076"/>
+          <ac:spMkLst>
+            <pc:docMk/>
+            <pc:sldMk cId="1082597062" sldId="258"/>
+            <ac:spMk id="14" creationId="{D84F65DC-D7F2-441C-8456-89325B2C0DA0}"/>
+          </ac:spMkLst>
+        </pc:spChg>
+        <pc:spChg chg="add mod">
+          <ac:chgData name="Joshua Hobgood" userId="1428995429b24447" providerId="LiveId" clId="{B31A0A03-4A5E-407D-8C63-6CF3D4EED71D}" dt="2017-11-29T15:54:45.609" v="374" actId="1076"/>
+          <ac:spMkLst>
+            <pc:docMk/>
+            <pc:sldMk cId="1082597062" sldId="258"/>
+            <ac:spMk id="15" creationId="{C5E7DFBC-6BAA-4AD5-AE90-F78691E1017E}"/>
+          </ac:spMkLst>
+        </pc:spChg>
+        <pc:spChg chg="add mod">
+          <ac:chgData name="Joshua Hobgood" userId="1428995429b24447" providerId="LiveId" clId="{B31A0A03-4A5E-407D-8C63-6CF3D4EED71D}" dt="2017-11-29T15:55:33.082" v="384" actId="1076"/>
+          <ac:spMkLst>
+            <pc:docMk/>
+            <pc:sldMk cId="1082597062" sldId="258"/>
+            <ac:spMk id="18" creationId="{DF55580E-CF1A-47D3-8E7E-21088B024894}"/>
+          </ac:spMkLst>
+        </pc:spChg>
+        <pc:spChg chg="add del mod">
+          <ac:chgData name="Joshua Hobgood" userId="1428995429b24447" providerId="LiveId" clId="{B31A0A03-4A5E-407D-8C63-6CF3D4EED71D}" dt="2017-11-29T15:55:22.828" v="382" actId="1076"/>
+          <ac:spMkLst>
+            <pc:docMk/>
+            <pc:sldMk cId="1082597062" sldId="258"/>
+            <ac:spMk id="19" creationId="{C63628A3-DCB5-4658-9A1F-274F419A9BB2}"/>
+          </ac:spMkLst>
+        </pc:spChg>
+        <pc:spChg chg="add del mod">
+          <ac:chgData name="Joshua Hobgood" userId="1428995429b24447" providerId="LiveId" clId="{B31A0A03-4A5E-407D-8C63-6CF3D4EED71D}" dt="2017-11-29T15:42:42.041" v="320" actId="478"/>
+          <ac:spMkLst>
+            <pc:docMk/>
+            <pc:sldMk cId="1082597062" sldId="258"/>
+            <ac:spMk id="20" creationId="{E364774A-04D8-47CB-A3B8-C2A8C450FC83}"/>
+          </ac:spMkLst>
+        </pc:spChg>
+        <pc:spChg chg="add del mod">
+          <ac:chgData name="Joshua Hobgood" userId="1428995429b24447" providerId="LiveId" clId="{B31A0A03-4A5E-407D-8C63-6CF3D4EED71D}" dt="2017-11-29T15:43:08.559" v="322" actId="478"/>
+          <ac:spMkLst>
+            <pc:docMk/>
+            <pc:sldMk cId="1082597062" sldId="258"/>
+            <ac:spMk id="21" creationId="{61A2DE3A-E785-45B8-AE51-084A3D2F5F09}"/>
+          </ac:spMkLst>
+        </pc:spChg>
+        <pc:spChg chg="add del mod">
+          <ac:chgData name="Joshua Hobgood" userId="1428995429b24447" providerId="LiveId" clId="{B31A0A03-4A5E-407D-8C63-6CF3D4EED71D}" dt="2017-11-29T15:44:47.918" v="331" actId="478"/>
+          <ac:spMkLst>
+            <pc:docMk/>
+            <pc:sldMk cId="1082597062" sldId="258"/>
+            <ac:spMk id="22" creationId="{8AFE3A0B-F9F1-4B20-8CA5-E8536B57F6A7}"/>
+          </ac:spMkLst>
+        </pc:spChg>
+        <pc:spChg chg="add del mod">
+          <ac:chgData name="Joshua Hobgood" userId="1428995429b24447" providerId="LiveId" clId="{B31A0A03-4A5E-407D-8C63-6CF3D4EED71D}" dt="2017-11-29T15:46:24.684" v="348" actId="478"/>
+          <ac:spMkLst>
+            <pc:docMk/>
+            <pc:sldMk cId="1082597062" sldId="258"/>
+            <ac:spMk id="23" creationId="{EEA42665-32E0-4B99-9912-4571937D6EF4}"/>
+          </ac:spMkLst>
+        </pc:spChg>
+        <pc:spChg chg="add mod">
+          <ac:chgData name="Joshua Hobgood" userId="1428995429b24447" providerId="LiveId" clId="{B31A0A03-4A5E-407D-8C63-6CF3D4EED71D}" dt="2017-11-29T15:54:45.609" v="374" actId="1076"/>
+          <ac:spMkLst>
+            <pc:docMk/>
+            <pc:sldMk cId="1082597062" sldId="258"/>
+            <ac:spMk id="24" creationId="{263A331C-1DCE-4152-8B44-000F9DEC7866}"/>
+          </ac:spMkLst>
+        </pc:spChg>
+        <pc:spChg chg="add mod">
+          <ac:chgData name="Joshua Hobgood" userId="1428995429b24447" providerId="LiveId" clId="{B31A0A03-4A5E-407D-8C63-6CF3D4EED71D}" dt="2017-11-29T15:55:18.428" v="381" actId="1076"/>
+          <ac:spMkLst>
+            <pc:docMk/>
+            <pc:sldMk cId="1082597062" sldId="258"/>
+            <ac:spMk id="25" creationId="{3DCA7C1B-E3BD-4505-B797-5DC7B2CDEE47}"/>
+          </ac:spMkLst>
+        </pc:spChg>
+        <pc:spChg chg="add mod">
+          <ac:chgData name="Joshua Hobgood" userId="1428995429b24447" providerId="LiveId" clId="{B31A0A03-4A5E-407D-8C63-6CF3D4EED71D}" dt="2017-11-29T15:46:15.398" v="346" actId="14100"/>
+          <ac:spMkLst>
+            <pc:docMk/>
+            <pc:sldMk cId="1082597062" sldId="258"/>
+            <ac:spMk id="26" creationId="{80AEF13F-FBDE-470D-9B35-1885C51A0C84}"/>
+          </ac:spMkLst>
+        </pc:spChg>
+        <pc:spChg chg="add mod">
+          <ac:chgData name="Joshua Hobgood" userId="1428995429b24447" providerId="LiveId" clId="{B31A0A03-4A5E-407D-8C63-6CF3D4EED71D}" dt="2017-11-29T15:53:58.578" v="369" actId="14100"/>
+          <ac:spMkLst>
+            <pc:docMk/>
+            <pc:sldMk cId="1082597062" sldId="258"/>
+            <ac:spMk id="29" creationId="{263D5D32-888B-4FEE-9425-9AD07748682F}"/>
+          </ac:spMkLst>
+        </pc:spChg>
+        <pc:spChg chg="add mod">
+          <ac:chgData name="Joshua Hobgood" userId="1428995429b24447" providerId="LiveId" clId="{B31A0A03-4A5E-407D-8C63-6CF3D4EED71D}" dt="2017-11-29T15:53:58.578" v="369" actId="14100"/>
+          <ac:spMkLst>
+            <pc:docMk/>
+            <pc:sldMk cId="1082597062" sldId="258"/>
+            <ac:spMk id="30" creationId="{B9B3CC44-9535-4401-BBCA-84BED8818AF4}"/>
+          </ac:spMkLst>
+        </pc:spChg>
+        <pc:cxnChg chg="add del mod">
+          <ac:chgData name="Joshua Hobgood" userId="1428995429b24447" providerId="LiveId" clId="{B31A0A03-4A5E-407D-8C63-6CF3D4EED71D}" dt="2017-11-29T15:54:00.468" v="370" actId="478"/>
+          <ac:cxnSpMkLst>
+            <pc:docMk/>
+            <pc:sldMk cId="1082597062" sldId="258"/>
+            <ac:cxnSpMk id="5" creationId="{8983D2F1-1735-4466-A566-CA35647CB73E}"/>
+          </ac:cxnSpMkLst>
+        </pc:cxnChg>
+        <pc:cxnChg chg="add del mod">
+          <ac:chgData name="Joshua Hobgood" userId="1428995429b24447" providerId="LiveId" clId="{B31A0A03-4A5E-407D-8C63-6CF3D4EED71D}" dt="2017-11-29T15:54:07.022" v="372" actId="478"/>
+          <ac:cxnSpMkLst>
+            <pc:docMk/>
+            <pc:sldMk cId="1082597062" sldId="258"/>
+            <ac:cxnSpMk id="8" creationId="{84982CB1-FCBA-4E16-B974-81355668EC74}"/>
+          </ac:cxnSpMkLst>
+        </pc:cxnChg>
+        <pc:cxnChg chg="add del mod">
+          <ac:chgData name="Joshua Hobgood" userId="1428995429b24447" providerId="LiveId" clId="{B31A0A03-4A5E-407D-8C63-6CF3D4EED71D}" dt="2017-11-29T15:54:09.100" v="373" actId="478"/>
+          <ac:cxnSpMkLst>
+            <pc:docMk/>
+            <pc:sldMk cId="1082597062" sldId="258"/>
+            <ac:cxnSpMk id="9" creationId="{3F7FFADD-4BE5-4C95-8E5D-7A5ADE760CCF}"/>
+          </ac:cxnSpMkLst>
+        </pc:cxnChg>
+        <pc:cxnChg chg="add del mod">
+          <ac:chgData name="Joshua Hobgood" userId="1428995429b24447" providerId="LiveId" clId="{B31A0A03-4A5E-407D-8C63-6CF3D4EED71D}" dt="2017-11-29T15:54:03.443" v="371" actId="478"/>
+          <ac:cxnSpMkLst>
+            <pc:docMk/>
+            <pc:sldMk cId="1082597062" sldId="258"/>
+            <ac:cxnSpMk id="10" creationId="{9DFA261C-280D-4424-BF5F-E940DD3A8B2A}"/>
+          </ac:cxnSpMkLst>
+        </pc:cxnChg>
+        <pc:cxnChg chg="add del mod">
+          <ac:chgData name="Joshua Hobgood" userId="1428995429b24447" providerId="LiveId" clId="{B31A0A03-4A5E-407D-8C63-6CF3D4EED71D}" dt="2017-11-29T15:41:09.397" v="302" actId="478"/>
+          <ac:cxnSpMkLst>
+            <pc:docMk/>
+            <pc:sldMk cId="1082597062" sldId="258"/>
+            <ac:cxnSpMk id="16" creationId="{CD0930F7-9407-4B61-8D62-41A54B415095}"/>
+          </ac:cxnSpMkLst>
+        </pc:cxnChg>
+        <pc:cxnChg chg="add mod">
+          <ac:chgData name="Joshua Hobgood" userId="1428995429b24447" providerId="LiveId" clId="{B31A0A03-4A5E-407D-8C63-6CF3D4EED71D}" dt="2017-11-29T15:53:58.578" v="369" actId="14100"/>
+          <ac:cxnSpMkLst>
+            <pc:docMk/>
+            <pc:sldMk cId="1082597062" sldId="258"/>
+            <ac:cxnSpMk id="28" creationId="{7096AF15-95EC-4005-B12F-2E65FBBBCA11}"/>
+          </ac:cxnSpMkLst>
+        </pc:cxnChg>
       </pc:sldChg>
     </pc:docChg>
   </pc:docChgLst>
@@ -306,7 +511,7 @@
           <a:p>
             <a:fld id="{3118D2E8-5E9D-4CCE-A277-382E49B897F3}" type="datetimeFigureOut">
               <a:rPr lang="en-US" smtClean="0"/>
-              <a:t>11/27/2017</a:t>
+              <a:t>11/29/2017</a:t>
             </a:fld>
             <a:endParaRPr lang="en-US"/>
           </a:p>
@@ -504,7 +709,7 @@
           <a:p>
             <a:fld id="{3118D2E8-5E9D-4CCE-A277-382E49B897F3}" type="datetimeFigureOut">
               <a:rPr lang="en-US" smtClean="0"/>
-              <a:t>11/27/2017</a:t>
+              <a:t>11/29/2017</a:t>
             </a:fld>
             <a:endParaRPr lang="en-US"/>
           </a:p>
@@ -712,7 +917,7 @@
           <a:p>
             <a:fld id="{3118D2E8-5E9D-4CCE-A277-382E49B897F3}" type="datetimeFigureOut">
               <a:rPr lang="en-US" smtClean="0"/>
-              <a:t>11/27/2017</a:t>
+              <a:t>11/29/2017</a:t>
             </a:fld>
             <a:endParaRPr lang="en-US"/>
           </a:p>
@@ -910,7 +1115,7 @@
           <a:p>
             <a:fld id="{3118D2E8-5E9D-4CCE-A277-382E49B897F3}" type="datetimeFigureOut">
               <a:rPr lang="en-US" smtClean="0"/>
-              <a:t>11/27/2017</a:t>
+              <a:t>11/29/2017</a:t>
             </a:fld>
             <a:endParaRPr lang="en-US"/>
           </a:p>
@@ -1185,7 +1390,7 @@
           <a:p>
             <a:fld id="{3118D2E8-5E9D-4CCE-A277-382E49B897F3}" type="datetimeFigureOut">
               <a:rPr lang="en-US" smtClean="0"/>
-              <a:t>11/27/2017</a:t>
+              <a:t>11/29/2017</a:t>
             </a:fld>
             <a:endParaRPr lang="en-US"/>
           </a:p>
@@ -1450,7 +1655,7 @@
           <a:p>
             <a:fld id="{3118D2E8-5E9D-4CCE-A277-382E49B897F3}" type="datetimeFigureOut">
               <a:rPr lang="en-US" smtClean="0"/>
-              <a:t>11/27/2017</a:t>
+              <a:t>11/29/2017</a:t>
             </a:fld>
             <a:endParaRPr lang="en-US"/>
           </a:p>
@@ -1862,7 +2067,7 @@
           <a:p>
             <a:fld id="{3118D2E8-5E9D-4CCE-A277-382E49B897F3}" type="datetimeFigureOut">
               <a:rPr lang="en-US" smtClean="0"/>
-              <a:t>11/27/2017</a:t>
+              <a:t>11/29/2017</a:t>
             </a:fld>
             <a:endParaRPr lang="en-US"/>
           </a:p>
@@ -2003,7 +2208,7 @@
           <a:p>
             <a:fld id="{3118D2E8-5E9D-4CCE-A277-382E49B897F3}" type="datetimeFigureOut">
               <a:rPr lang="en-US" smtClean="0"/>
-              <a:t>11/27/2017</a:t>
+              <a:t>11/29/2017</a:t>
             </a:fld>
             <a:endParaRPr lang="en-US"/>
           </a:p>
@@ -2116,7 +2321,7 @@
           <a:p>
             <a:fld id="{3118D2E8-5E9D-4CCE-A277-382E49B897F3}" type="datetimeFigureOut">
               <a:rPr lang="en-US" smtClean="0"/>
-              <a:t>11/27/2017</a:t>
+              <a:t>11/29/2017</a:t>
             </a:fld>
             <a:endParaRPr lang="en-US"/>
           </a:p>
@@ -2427,7 +2632,7 @@
           <a:p>
             <a:fld id="{3118D2E8-5E9D-4CCE-A277-382E49B897F3}" type="datetimeFigureOut">
               <a:rPr lang="en-US" smtClean="0"/>
-              <a:t>11/27/2017</a:t>
+              <a:t>11/29/2017</a:t>
             </a:fld>
             <a:endParaRPr lang="en-US"/>
           </a:p>
@@ -2715,7 +2920,7 @@
           <a:p>
             <a:fld id="{3118D2E8-5E9D-4CCE-A277-382E49B897F3}" type="datetimeFigureOut">
               <a:rPr lang="en-US" smtClean="0"/>
-              <a:t>11/27/2017</a:t>
+              <a:t>11/29/2017</a:t>
             </a:fld>
             <a:endParaRPr lang="en-US"/>
           </a:p>
@@ -2956,7 +3161,7 @@
           <a:p>
             <a:fld id="{3118D2E8-5E9D-4CCE-A277-382E49B897F3}" type="datetimeFigureOut">
               <a:rPr lang="en-US" smtClean="0"/>
-              <a:t>11/27/2017</a:t>
+              <a:t>11/29/2017</a:t>
             </a:fld>
             <a:endParaRPr lang="en-US"/>
           </a:p>
@@ -3552,6 +3757,694 @@
 </p:sld>
 </file>
 
+<file path=ppt/slides/slide2.xml><?xml version="1.0" encoding="utf-8"?>
+<p:sld xmlns:a="http://schemas.openxmlformats.org/drawingml/2006/main" xmlns:r="http://schemas.openxmlformats.org/officeDocument/2006/relationships" xmlns:p="http://schemas.openxmlformats.org/presentationml/2006/main">
+  <p:cSld>
+    <p:spTree>
+      <p:nvGrpSpPr>
+        <p:cNvPr id="1" name=""/>
+        <p:cNvGrpSpPr/>
+        <p:nvPr/>
+      </p:nvGrpSpPr>
+      <p:grpSpPr>
+        <a:xfrm>
+          <a:off x="0" y="0"/>
+          <a:ext cx="0" cy="0"/>
+          <a:chOff x="0" y="0"/>
+          <a:chExt cx="0" cy="0"/>
+        </a:xfrm>
+      </p:grpSpPr>
+      <p:sp>
+        <p:nvSpPr>
+          <p:cNvPr id="2" name="Rectangle 1">
+            <a:extLst>
+              <a:ext uri="{FF2B5EF4-FFF2-40B4-BE49-F238E27FC236}">
+                <a16:creationId xmlns:a16="http://schemas.microsoft.com/office/drawing/2014/main" id="{8C9D7040-7989-4D0D-AF27-2FD14FB74323}"/>
+              </a:ext>
+            </a:extLst>
+          </p:cNvPr>
+          <p:cNvSpPr/>
+          <p:nvPr/>
+        </p:nvSpPr>
+        <p:spPr>
+          <a:xfrm>
+            <a:off x="5009699" y="1061744"/>
+            <a:ext cx="1932808" cy="1001073"/>
+          </a:xfrm>
+          <a:prstGeom prst="rect">
+            <a:avLst/>
+          </a:prstGeom>
+        </p:spPr>
+        <p:style>
+          <a:lnRef idx="2">
+            <a:schemeClr val="accent3">
+              <a:shade val="50000"/>
+            </a:schemeClr>
+          </a:lnRef>
+          <a:fillRef idx="1">
+            <a:schemeClr val="accent3"/>
+          </a:fillRef>
+          <a:effectRef idx="0">
+            <a:schemeClr val="accent3"/>
+          </a:effectRef>
+          <a:fontRef idx="minor">
+            <a:schemeClr val="lt1"/>
+          </a:fontRef>
+        </p:style>
+        <p:txBody>
+          <a:bodyPr rtlCol="0" anchor="ctr"/>
+          <a:lstStyle/>
+          <a:p>
+            <a:pPr algn="ctr"/>
+            <a:r>
+              <a:rPr lang="en-US" dirty="0"/>
+              <a:t>H</a:t>
+            </a:r>
+          </a:p>
+        </p:txBody>
+      </p:sp>
+      <p:sp>
+        <p:nvSpPr>
+          <p:cNvPr id="3" name="Rectangle 2">
+            <a:extLst>
+              <a:ext uri="{FF2B5EF4-FFF2-40B4-BE49-F238E27FC236}">
+                <a16:creationId xmlns:a16="http://schemas.microsoft.com/office/drawing/2014/main" id="{3482256D-A291-46AE-8EEE-6E518636B89F}"/>
+              </a:ext>
+            </a:extLst>
+          </p:cNvPr>
+          <p:cNvSpPr/>
+          <p:nvPr/>
+        </p:nvSpPr>
+        <p:spPr>
+          <a:xfrm>
+            <a:off x="5009699" y="3246626"/>
+            <a:ext cx="1932808" cy="1001073"/>
+          </a:xfrm>
+          <a:prstGeom prst="rect">
+            <a:avLst/>
+          </a:prstGeom>
+        </p:spPr>
+        <p:style>
+          <a:lnRef idx="2">
+            <a:schemeClr val="accent3">
+              <a:shade val="50000"/>
+            </a:schemeClr>
+          </a:lnRef>
+          <a:fillRef idx="1">
+            <a:schemeClr val="accent3"/>
+          </a:fillRef>
+          <a:effectRef idx="0">
+            <a:schemeClr val="accent3"/>
+          </a:effectRef>
+          <a:fontRef idx="minor">
+            <a:schemeClr val="lt1"/>
+          </a:fontRef>
+        </p:style>
+        <p:txBody>
+          <a:bodyPr rtlCol="0" anchor="ctr"/>
+          <a:lstStyle/>
+          <a:p>
+            <a:pPr algn="ctr"/>
+            <a:r>
+              <a:rPr lang="en-US" dirty="0"/>
+              <a:t>P</a:t>
+            </a:r>
+          </a:p>
+        </p:txBody>
+      </p:sp>
+      <p:sp>
+        <p:nvSpPr>
+          <p:cNvPr id="12" name="Arrow: Circular 11">
+            <a:extLst>
+              <a:ext uri="{FF2B5EF4-FFF2-40B4-BE49-F238E27FC236}">
+                <a16:creationId xmlns:a16="http://schemas.microsoft.com/office/drawing/2014/main" id="{04E64F44-A9EA-4EEC-82CE-CF518A894456}"/>
+              </a:ext>
+            </a:extLst>
+          </p:cNvPr>
+          <p:cNvSpPr/>
+          <p:nvPr/>
+        </p:nvSpPr>
+        <p:spPr>
+          <a:xfrm>
+            <a:off x="4238309" y="469840"/>
+            <a:ext cx="931735" cy="875395"/>
+          </a:xfrm>
+          <a:prstGeom prst="circularArrow">
+            <a:avLst/>
+          </a:prstGeom>
+        </p:spPr>
+        <p:style>
+          <a:lnRef idx="2">
+            <a:schemeClr val="dk1">
+              <a:shade val="50000"/>
+            </a:schemeClr>
+          </a:lnRef>
+          <a:fillRef idx="1">
+            <a:schemeClr val="dk1"/>
+          </a:fillRef>
+          <a:effectRef idx="0">
+            <a:schemeClr val="dk1"/>
+          </a:effectRef>
+          <a:fontRef idx="minor">
+            <a:schemeClr val="lt1"/>
+          </a:fontRef>
+        </p:style>
+        <p:txBody>
+          <a:bodyPr rot="0" spcFirstLastPara="0" vertOverflow="overflow" horzOverflow="overflow" vert="horz" wrap="square" lIns="91440" tIns="45720" rIns="91440" bIns="45720" numCol="1" spcCol="0" rtlCol="0" fromWordArt="0" anchor="ctr" anchorCtr="0" forceAA="0" compatLnSpc="1">
+            <a:prstTxWarp prst="textNoShape">
+              <a:avLst/>
+            </a:prstTxWarp>
+            <a:noAutofit/>
+          </a:bodyPr>
+          <a:lstStyle/>
+          <a:p>
+            <a:pPr algn="ctr"/>
+            <a:endParaRPr lang="en-US">
+              <a:ln w="0"/>
+              <a:solidFill>
+                <a:schemeClr val="tx1"/>
+              </a:solidFill>
+              <a:effectLst>
+                <a:outerShdw blurRad="38100" dist="19050" dir="2700000" algn="tl" rotWithShape="0">
+                  <a:schemeClr val="dk1">
+                    <a:alpha val="40000"/>
+                  </a:schemeClr>
+                </a:outerShdw>
+              </a:effectLst>
+            </a:endParaRPr>
+          </a:p>
+        </p:txBody>
+      </p:sp>
+      <p:sp>
+        <p:nvSpPr>
+          <p:cNvPr id="13" name="Arrow: Circular 12">
+            <a:extLst>
+              <a:ext uri="{FF2B5EF4-FFF2-40B4-BE49-F238E27FC236}">
+                <a16:creationId xmlns:a16="http://schemas.microsoft.com/office/drawing/2014/main" id="{8D044C7B-A576-415C-AEC0-0CA40FC09605}"/>
+              </a:ext>
+            </a:extLst>
+          </p:cNvPr>
+          <p:cNvSpPr/>
+          <p:nvPr/>
+        </p:nvSpPr>
+        <p:spPr>
+          <a:xfrm rot="10800000">
+            <a:off x="5861190" y="1689391"/>
+            <a:ext cx="931735" cy="875395"/>
+          </a:xfrm>
+          <a:prstGeom prst="circularArrow">
+            <a:avLst/>
+          </a:prstGeom>
+        </p:spPr>
+        <p:style>
+          <a:lnRef idx="2">
+            <a:schemeClr val="dk1">
+              <a:shade val="50000"/>
+            </a:schemeClr>
+          </a:lnRef>
+          <a:fillRef idx="1">
+            <a:schemeClr val="dk1"/>
+          </a:fillRef>
+          <a:effectRef idx="0">
+            <a:schemeClr val="dk1"/>
+          </a:effectRef>
+          <a:fontRef idx="minor">
+            <a:schemeClr val="lt1"/>
+          </a:fontRef>
+        </p:style>
+        <p:txBody>
+          <a:bodyPr rot="0" spcFirstLastPara="0" vertOverflow="overflow" horzOverflow="overflow" vert="horz" wrap="square" lIns="91440" tIns="45720" rIns="91440" bIns="45720" numCol="1" spcCol="0" rtlCol="0" fromWordArt="0" anchor="ctr" anchorCtr="0" forceAA="0" compatLnSpc="1">
+            <a:prstTxWarp prst="textNoShape">
+              <a:avLst/>
+            </a:prstTxWarp>
+            <a:noAutofit/>
+          </a:bodyPr>
+          <a:lstStyle/>
+          <a:p>
+            <a:pPr algn="ctr"/>
+            <a:endParaRPr lang="en-US">
+              <a:ln w="0"/>
+              <a:solidFill>
+                <a:schemeClr val="tx1"/>
+              </a:solidFill>
+              <a:effectLst>
+                <a:outerShdw blurRad="38100" dist="19050" dir="2700000" algn="tl" rotWithShape="0">
+                  <a:schemeClr val="dk1">
+                    <a:alpha val="40000"/>
+                  </a:schemeClr>
+                </a:outerShdw>
+              </a:effectLst>
+            </a:endParaRPr>
+          </a:p>
+        </p:txBody>
+      </p:sp>
+      <p:sp>
+        <p:nvSpPr>
+          <p:cNvPr id="14" name="TextBox 13">
+            <a:extLst>
+              <a:ext uri="{FF2B5EF4-FFF2-40B4-BE49-F238E27FC236}">
+                <a16:creationId xmlns:a16="http://schemas.microsoft.com/office/drawing/2014/main" id="{D84F65DC-D7F2-441C-8456-89325B2C0DA0}"/>
+              </a:ext>
+            </a:extLst>
+          </p:cNvPr>
+          <p:cNvSpPr txBox="1"/>
+          <p:nvPr/>
+        </p:nvSpPr>
+        <p:spPr>
+          <a:xfrm>
+            <a:off x="4443821" y="663534"/>
+            <a:ext cx="306494" cy="369332"/>
+          </a:xfrm>
+          <a:prstGeom prst="rect">
+            <a:avLst/>
+          </a:prstGeom>
+          <a:noFill/>
+        </p:spPr>
+        <p:txBody>
+          <a:bodyPr wrap="none" rtlCol="0">
+            <a:spAutoFit/>
+          </a:bodyPr>
+          <a:lstStyle/>
+          <a:p>
+            <a:r>
+              <a:rPr lang="en-US" dirty="0"/>
+              <a:t>b</a:t>
+            </a:r>
+          </a:p>
+        </p:txBody>
+      </p:sp>
+      <p:sp>
+        <p:nvSpPr>
+          <p:cNvPr id="15" name="TextBox 14">
+            <a:extLst>
+              <a:ext uri="{FF2B5EF4-FFF2-40B4-BE49-F238E27FC236}">
+                <a16:creationId xmlns:a16="http://schemas.microsoft.com/office/drawing/2014/main" id="{C5E7DFBC-6BAA-4AD5-AE90-F78691E1017E}"/>
+              </a:ext>
+            </a:extLst>
+          </p:cNvPr>
+          <p:cNvSpPr txBox="1"/>
+          <p:nvPr/>
+        </p:nvSpPr>
+        <p:spPr>
+          <a:xfrm>
+            <a:off x="6249347" y="2040777"/>
+            <a:ext cx="295274" cy="369332"/>
+          </a:xfrm>
+          <a:prstGeom prst="rect">
+            <a:avLst/>
+          </a:prstGeom>
+          <a:noFill/>
+        </p:spPr>
+        <p:txBody>
+          <a:bodyPr wrap="none" rtlCol="0">
+            <a:spAutoFit/>
+          </a:bodyPr>
+          <a:lstStyle/>
+          <a:p>
+            <a:r>
+              <a:rPr lang="en-US" dirty="0"/>
+              <a:t>a</a:t>
+            </a:r>
+          </a:p>
+        </p:txBody>
+      </p:sp>
+      <p:sp>
+        <p:nvSpPr>
+          <p:cNvPr id="18" name="Arrow: Circular 17">
+            <a:extLst>
+              <a:ext uri="{FF2B5EF4-FFF2-40B4-BE49-F238E27FC236}">
+                <a16:creationId xmlns:a16="http://schemas.microsoft.com/office/drawing/2014/main" id="{DF55580E-CF1A-47D3-8E7E-21088B024894}"/>
+              </a:ext>
+            </a:extLst>
+          </p:cNvPr>
+          <p:cNvSpPr/>
+          <p:nvPr/>
+        </p:nvSpPr>
+        <p:spPr>
+          <a:xfrm rot="5400000" flipH="1">
+            <a:off x="6516451" y="3449711"/>
+            <a:ext cx="931735" cy="875395"/>
+          </a:xfrm>
+          <a:prstGeom prst="circularArrow">
+            <a:avLst>
+              <a:gd name="adj1" fmla="val 12500"/>
+              <a:gd name="adj2" fmla="val 1142319"/>
+              <a:gd name="adj3" fmla="val 20457681"/>
+              <a:gd name="adj4" fmla="val 11156593"/>
+              <a:gd name="adj5" fmla="val 12500"/>
+            </a:avLst>
+          </a:prstGeom>
+        </p:spPr>
+        <p:style>
+          <a:lnRef idx="2">
+            <a:schemeClr val="dk1">
+              <a:shade val="50000"/>
+            </a:schemeClr>
+          </a:lnRef>
+          <a:fillRef idx="1">
+            <a:schemeClr val="dk1"/>
+          </a:fillRef>
+          <a:effectRef idx="0">
+            <a:schemeClr val="dk1"/>
+          </a:effectRef>
+          <a:fontRef idx="minor">
+            <a:schemeClr val="lt1"/>
+          </a:fontRef>
+        </p:style>
+        <p:txBody>
+          <a:bodyPr rot="0" spcFirstLastPara="0" vertOverflow="overflow" horzOverflow="overflow" vert="horz" wrap="square" lIns="91440" tIns="45720" rIns="91440" bIns="45720" numCol="1" spcCol="0" rtlCol="0" fromWordArt="0" anchor="ctr" anchorCtr="0" forceAA="0" compatLnSpc="1">
+            <a:prstTxWarp prst="textNoShape">
+              <a:avLst/>
+            </a:prstTxWarp>
+            <a:noAutofit/>
+          </a:bodyPr>
+          <a:lstStyle/>
+          <a:p>
+            <a:pPr algn="ctr"/>
+            <a:endParaRPr lang="en-US">
+              <a:ln w="0"/>
+              <a:solidFill>
+                <a:schemeClr val="tx1"/>
+              </a:solidFill>
+              <a:effectLst>
+                <a:outerShdw blurRad="38100" dist="19050" dir="2700000" algn="tl" rotWithShape="0">
+                  <a:schemeClr val="dk1">
+                    <a:alpha val="40000"/>
+                  </a:schemeClr>
+                </a:outerShdw>
+              </a:effectLst>
+            </a:endParaRPr>
+          </a:p>
+        </p:txBody>
+      </p:sp>
+      <p:sp>
+        <p:nvSpPr>
+          <p:cNvPr id="19" name="TextBox 18">
+            <a:extLst>
+              <a:ext uri="{FF2B5EF4-FFF2-40B4-BE49-F238E27FC236}">
+                <a16:creationId xmlns:a16="http://schemas.microsoft.com/office/drawing/2014/main" id="{C63628A3-DCB5-4658-9A1F-274F419A9BB2}"/>
+              </a:ext>
+            </a:extLst>
+          </p:cNvPr>
+          <p:cNvSpPr txBox="1"/>
+          <p:nvPr/>
+        </p:nvSpPr>
+        <p:spPr>
+          <a:xfrm>
+            <a:off x="6975588" y="3747162"/>
+            <a:ext cx="274434" cy="369332"/>
+          </a:xfrm>
+          <a:prstGeom prst="rect">
+            <a:avLst/>
+          </a:prstGeom>
+          <a:noFill/>
+        </p:spPr>
+        <p:txBody>
+          <a:bodyPr wrap="none" rtlCol="0">
+            <a:spAutoFit/>
+          </a:bodyPr>
+          <a:lstStyle/>
+          <a:p>
+            <a:r>
+              <a:rPr lang="en-US" dirty="0"/>
+              <a:t>s</a:t>
+            </a:r>
+          </a:p>
+        </p:txBody>
+      </p:sp>
+      <p:sp>
+        <p:nvSpPr>
+          <p:cNvPr id="24" name="Minus Sign 23">
+            <a:extLst>
+              <a:ext uri="{FF2B5EF4-FFF2-40B4-BE49-F238E27FC236}">
+                <a16:creationId xmlns:a16="http://schemas.microsoft.com/office/drawing/2014/main" id="{263A331C-1DCE-4152-8B44-000F9DEC7866}"/>
+              </a:ext>
+            </a:extLst>
+          </p:cNvPr>
+          <p:cNvSpPr/>
+          <p:nvPr/>
+        </p:nvSpPr>
+        <p:spPr>
+          <a:xfrm>
+            <a:off x="6128431" y="2095419"/>
+            <a:ext cx="207294" cy="215719"/>
+          </a:xfrm>
+          <a:prstGeom prst="mathMinus">
+            <a:avLst/>
+          </a:prstGeom>
+        </p:spPr>
+        <p:style>
+          <a:lnRef idx="2">
+            <a:schemeClr val="accent2">
+              <a:shade val="50000"/>
+            </a:schemeClr>
+          </a:lnRef>
+          <a:fillRef idx="1">
+            <a:schemeClr val="accent2"/>
+          </a:fillRef>
+          <a:effectRef idx="0">
+            <a:schemeClr val="accent2"/>
+          </a:effectRef>
+          <a:fontRef idx="minor">
+            <a:schemeClr val="lt1"/>
+          </a:fontRef>
+        </p:style>
+        <p:txBody>
+          <a:bodyPr rtlCol="0" anchor="ctr"/>
+          <a:lstStyle/>
+          <a:p>
+            <a:pPr algn="ctr"/>
+            <a:endParaRPr lang="en-US"/>
+          </a:p>
+        </p:txBody>
+      </p:sp>
+      <p:sp>
+        <p:nvSpPr>
+          <p:cNvPr id="25" name="Minus Sign 24">
+            <a:extLst>
+              <a:ext uri="{FF2B5EF4-FFF2-40B4-BE49-F238E27FC236}">
+                <a16:creationId xmlns:a16="http://schemas.microsoft.com/office/drawing/2014/main" id="{3DCA7C1B-E3BD-4505-B797-5DC7B2CDEE47}"/>
+              </a:ext>
+            </a:extLst>
+          </p:cNvPr>
+          <p:cNvSpPr/>
+          <p:nvPr/>
+        </p:nvSpPr>
+        <p:spPr>
+          <a:xfrm>
+            <a:off x="6967043" y="3703571"/>
+            <a:ext cx="207294" cy="215719"/>
+          </a:xfrm>
+          <a:prstGeom prst="mathMinus">
+            <a:avLst/>
+          </a:prstGeom>
+        </p:spPr>
+        <p:style>
+          <a:lnRef idx="2">
+            <a:schemeClr val="accent2">
+              <a:shade val="50000"/>
+            </a:schemeClr>
+          </a:lnRef>
+          <a:fillRef idx="1">
+            <a:schemeClr val="accent2"/>
+          </a:fillRef>
+          <a:effectRef idx="0">
+            <a:schemeClr val="accent2"/>
+          </a:effectRef>
+          <a:fontRef idx="minor">
+            <a:schemeClr val="lt1"/>
+          </a:fontRef>
+        </p:style>
+        <p:txBody>
+          <a:bodyPr rtlCol="0" anchor="ctr"/>
+          <a:lstStyle/>
+          <a:p>
+            <a:pPr algn="ctr"/>
+            <a:endParaRPr lang="en-US"/>
+          </a:p>
+        </p:txBody>
+      </p:sp>
+      <p:sp>
+        <p:nvSpPr>
+          <p:cNvPr id="26" name="Plus Sign 25">
+            <a:extLst>
+              <a:ext uri="{FF2B5EF4-FFF2-40B4-BE49-F238E27FC236}">
+                <a16:creationId xmlns:a16="http://schemas.microsoft.com/office/drawing/2014/main" id="{80AEF13F-FBDE-470D-9B35-1885C51A0C84}"/>
+              </a:ext>
+            </a:extLst>
+          </p:cNvPr>
+          <p:cNvSpPr/>
+          <p:nvPr/>
+        </p:nvSpPr>
+        <p:spPr>
+          <a:xfrm>
+            <a:off x="4643207" y="656067"/>
+            <a:ext cx="214216" cy="167326"/>
+          </a:xfrm>
+          <a:prstGeom prst="mathPlus">
+            <a:avLst/>
+          </a:prstGeom>
+        </p:spPr>
+        <p:style>
+          <a:lnRef idx="2">
+            <a:schemeClr val="accent2">
+              <a:shade val="50000"/>
+            </a:schemeClr>
+          </a:lnRef>
+          <a:fillRef idx="1">
+            <a:schemeClr val="accent2"/>
+          </a:fillRef>
+          <a:effectRef idx="0">
+            <a:schemeClr val="accent2"/>
+          </a:effectRef>
+          <a:fontRef idx="minor">
+            <a:schemeClr val="lt1"/>
+          </a:fontRef>
+        </p:style>
+        <p:txBody>
+          <a:bodyPr rtlCol="0" anchor="ctr"/>
+          <a:lstStyle/>
+          <a:p>
+            <a:pPr algn="ctr"/>
+            <a:endParaRPr lang="en-US"/>
+          </a:p>
+        </p:txBody>
+      </p:sp>
+      <p:cxnSp>
+        <p:nvCxnSpPr>
+          <p:cNvPr id="28" name="Straight Arrow Connector 27">
+            <a:extLst>
+              <a:ext uri="{FF2B5EF4-FFF2-40B4-BE49-F238E27FC236}">
+                <a16:creationId xmlns:a16="http://schemas.microsoft.com/office/drawing/2014/main" id="{7096AF15-95EC-4005-B12F-2E65FBBBCA11}"/>
+              </a:ext>
+            </a:extLst>
+          </p:cNvPr>
+          <p:cNvCxnSpPr>
+            <a:cxnSpLocks/>
+          </p:cNvCxnSpPr>
+          <p:nvPr/>
+        </p:nvCxnSpPr>
+        <p:spPr>
+          <a:xfrm>
+            <a:off x="5469067" y="2086529"/>
+            <a:ext cx="0" cy="1215712"/>
+          </a:xfrm>
+          <a:prstGeom prst="straightConnector1">
+            <a:avLst/>
+          </a:prstGeom>
+          <a:ln w="15875">
+            <a:tailEnd type="triangle"/>
+          </a:ln>
+        </p:spPr>
+        <p:style>
+          <a:lnRef idx="1">
+            <a:schemeClr val="dk1"/>
+          </a:lnRef>
+          <a:fillRef idx="0">
+            <a:schemeClr val="dk1"/>
+          </a:fillRef>
+          <a:effectRef idx="0">
+            <a:schemeClr val="dk1"/>
+          </a:effectRef>
+          <a:fontRef idx="minor">
+            <a:schemeClr val="tx1"/>
+          </a:fontRef>
+        </p:style>
+      </p:cxnSp>
+      <p:sp>
+        <p:nvSpPr>
+          <p:cNvPr id="29" name="Plus Sign 28">
+            <a:extLst>
+              <a:ext uri="{FF2B5EF4-FFF2-40B4-BE49-F238E27FC236}">
+                <a16:creationId xmlns:a16="http://schemas.microsoft.com/office/drawing/2014/main" id="{263D5D32-888B-4FEE-9425-9AD07748682F}"/>
+              </a:ext>
+            </a:extLst>
+          </p:cNvPr>
+          <p:cNvSpPr/>
+          <p:nvPr/>
+        </p:nvSpPr>
+        <p:spPr>
+          <a:xfrm>
+            <a:off x="5695060" y="2374717"/>
+            <a:ext cx="214216" cy="167326"/>
+          </a:xfrm>
+          <a:prstGeom prst="mathPlus">
+            <a:avLst/>
+          </a:prstGeom>
+        </p:spPr>
+        <p:style>
+          <a:lnRef idx="2">
+            <a:schemeClr val="accent2">
+              <a:shade val="50000"/>
+            </a:schemeClr>
+          </a:lnRef>
+          <a:fillRef idx="1">
+            <a:schemeClr val="accent2"/>
+          </a:fillRef>
+          <a:effectRef idx="0">
+            <a:schemeClr val="accent2"/>
+          </a:effectRef>
+          <a:fontRef idx="minor">
+            <a:schemeClr val="lt1"/>
+          </a:fontRef>
+        </p:style>
+        <p:txBody>
+          <a:bodyPr rtlCol="0" anchor="ctr"/>
+          <a:lstStyle/>
+          <a:p>
+            <a:pPr algn="ctr"/>
+            <a:endParaRPr lang="en-US"/>
+          </a:p>
+        </p:txBody>
+      </p:sp>
+      <p:sp>
+        <p:nvSpPr>
+          <p:cNvPr id="30" name="TextBox 29">
+            <a:extLst>
+              <a:ext uri="{FF2B5EF4-FFF2-40B4-BE49-F238E27FC236}">
+                <a16:creationId xmlns:a16="http://schemas.microsoft.com/office/drawing/2014/main" id="{B9B3CC44-9535-4401-BBCA-84BED8818AF4}"/>
+              </a:ext>
+            </a:extLst>
+          </p:cNvPr>
+          <p:cNvSpPr txBox="1"/>
+          <p:nvPr/>
+        </p:nvSpPr>
+        <p:spPr>
+          <a:xfrm>
+            <a:off x="5502086" y="2372433"/>
+            <a:ext cx="300082" cy="369332"/>
+          </a:xfrm>
+          <a:prstGeom prst="rect">
+            <a:avLst/>
+          </a:prstGeom>
+          <a:noFill/>
+        </p:spPr>
+        <p:txBody>
+          <a:bodyPr wrap="square" rtlCol="0">
+            <a:spAutoFit/>
+          </a:bodyPr>
+          <a:lstStyle/>
+          <a:p>
+            <a:r>
+              <a:rPr lang="en-US" dirty="0"/>
+              <a:t>e</a:t>
+            </a:r>
+          </a:p>
+        </p:txBody>
+      </p:sp>
+    </p:spTree>
+    <p:extLst>
+      <p:ext uri="{BB962C8B-B14F-4D97-AF65-F5344CB8AC3E}">
+        <p14:creationId xmlns:p14="http://schemas.microsoft.com/office/powerpoint/2010/main" val="1082597062"/>
+      </p:ext>
+    </p:extLst>
+  </p:cSld>
+  <p:clrMapOvr>
+    <a:masterClrMapping/>
+  </p:clrMapOvr>
+</p:sld>
+</file>
+
 <file path=ppt/theme/theme1.xml><?xml version="1.0" encoding="utf-8"?>
 <a:theme xmlns:a="http://schemas.openxmlformats.org/drawingml/2006/main" name="Office Theme">
   <a:themeElements>
